--- a/HTML/HTML Basic 21-11-2015.pptx
+++ b/HTML/HTML Basic 21-11-2015.pptx
@@ -205,7 +205,7 @@
           <a:p>
             <a:fld id="{50028A46-B660-4657-BB80-C41A72BD5D6D}" type="datetimeFigureOut">
               <a:rPr lang="en-US" smtClean="0"/>
-              <a:t>11/21/2015</a:t>
+              <a:t>10/12/2016</a:t>
             </a:fld>
             <a:endParaRPr lang="en-US"/>
           </a:p>
@@ -373,6 +373,11 @@
         </p:txBody>
       </p:sp>
     </p:spTree>
+    <p:extLst>
+      <p:ext uri="{BB962C8B-B14F-4D97-AF65-F5344CB8AC3E}">
+        <p14:creationId xmlns:p14="http://schemas.microsoft.com/office/powerpoint/2010/main" val="1908982380"/>
+      </p:ext>
+    </p:extLst>
   </p:cSld>
   <p:clrMap bg1="lt1" tx1="dk1" bg2="lt2" tx2="dk2" accent1="accent1" accent2="accent2" accent3="accent3" accent4="accent4" accent5="accent5" accent6="accent6" hlink="hlink" folHlink="folHlink"/>
   <p:notesStyle>
@@ -2154,7 +2159,7 @@
           <a:p>
             <a:fld id="{79BE42F2-EDE3-4B3F-A151-74E9F4DE4B63}" type="datetimeFigureOut">
               <a:rPr lang="en-US" smtClean="0"/>
-              <a:t>11/21/2015</a:t>
+              <a:t>10/12/2016</a:t>
             </a:fld>
             <a:endParaRPr lang="en-US"/>
           </a:p>
@@ -2319,7 +2324,7 @@
           <a:p>
             <a:fld id="{79BE42F2-EDE3-4B3F-A151-74E9F4DE4B63}" type="datetimeFigureOut">
               <a:rPr lang="en-US" smtClean="0"/>
-              <a:t>11/21/2015</a:t>
+              <a:t>10/12/2016</a:t>
             </a:fld>
             <a:endParaRPr lang="en-US"/>
           </a:p>
@@ -2494,7 +2499,7 @@
           <a:p>
             <a:fld id="{79BE42F2-EDE3-4B3F-A151-74E9F4DE4B63}" type="datetimeFigureOut">
               <a:rPr lang="en-US" smtClean="0"/>
-              <a:t>11/21/2015</a:t>
+              <a:t>10/12/2016</a:t>
             </a:fld>
             <a:endParaRPr lang="en-US"/>
           </a:p>
@@ -2659,7 +2664,7 @@
           <a:p>
             <a:fld id="{79BE42F2-EDE3-4B3F-A151-74E9F4DE4B63}" type="datetimeFigureOut">
               <a:rPr lang="en-US" smtClean="0"/>
-              <a:t>11/21/2015</a:t>
+              <a:t>10/12/2016</a:t>
             </a:fld>
             <a:endParaRPr lang="en-US"/>
           </a:p>
@@ -2900,7 +2905,7 @@
           <a:p>
             <a:fld id="{79BE42F2-EDE3-4B3F-A151-74E9F4DE4B63}" type="datetimeFigureOut">
               <a:rPr lang="en-US" smtClean="0"/>
-              <a:t>11/21/2015</a:t>
+              <a:t>10/12/2016</a:t>
             </a:fld>
             <a:endParaRPr lang="en-US"/>
           </a:p>
@@ -3183,7 +3188,7 @@
           <a:p>
             <a:fld id="{79BE42F2-EDE3-4B3F-A151-74E9F4DE4B63}" type="datetimeFigureOut">
               <a:rPr lang="en-US" smtClean="0"/>
-              <a:t>11/21/2015</a:t>
+              <a:t>10/12/2016</a:t>
             </a:fld>
             <a:endParaRPr lang="en-US"/>
           </a:p>
@@ -3600,7 +3605,7 @@
           <a:p>
             <a:fld id="{79BE42F2-EDE3-4B3F-A151-74E9F4DE4B63}" type="datetimeFigureOut">
               <a:rPr lang="en-US" smtClean="0"/>
-              <a:t>11/21/2015</a:t>
+              <a:t>10/12/2016</a:t>
             </a:fld>
             <a:endParaRPr lang="en-US"/>
           </a:p>
@@ -3713,7 +3718,7 @@
           <a:p>
             <a:fld id="{79BE42F2-EDE3-4B3F-A151-74E9F4DE4B63}" type="datetimeFigureOut">
               <a:rPr lang="en-US" smtClean="0"/>
-              <a:t>11/21/2015</a:t>
+              <a:t>10/12/2016</a:t>
             </a:fld>
             <a:endParaRPr lang="en-US"/>
           </a:p>
@@ -3803,7 +3808,7 @@
           <a:p>
             <a:fld id="{79BE42F2-EDE3-4B3F-A151-74E9F4DE4B63}" type="datetimeFigureOut">
               <a:rPr lang="en-US" smtClean="0"/>
-              <a:t>11/21/2015</a:t>
+              <a:t>10/12/2016</a:t>
             </a:fld>
             <a:endParaRPr lang="en-US"/>
           </a:p>
@@ -4075,7 +4080,7 @@
           <a:p>
             <a:fld id="{79BE42F2-EDE3-4B3F-A151-74E9F4DE4B63}" type="datetimeFigureOut">
               <a:rPr lang="en-US" smtClean="0"/>
-              <a:t>11/21/2015</a:t>
+              <a:t>10/12/2016</a:t>
             </a:fld>
             <a:endParaRPr lang="en-US"/>
           </a:p>
@@ -4323,7 +4328,7 @@
           <a:p>
             <a:fld id="{79BE42F2-EDE3-4B3F-A151-74E9F4DE4B63}" type="datetimeFigureOut">
               <a:rPr lang="en-US" smtClean="0"/>
-              <a:t>11/21/2015</a:t>
+              <a:t>10/12/2016</a:t>
             </a:fld>
             <a:endParaRPr lang="en-US"/>
           </a:p>
@@ -4536,7 +4541,7 @@
           <a:p>
             <a:fld id="{79BE42F2-EDE3-4B3F-A151-74E9F4DE4B63}" type="datetimeFigureOut">
               <a:rPr lang="en-US" smtClean="0"/>
-              <a:t>11/21/2015</a:t>
+              <a:t>10/12/2016</a:t>
             </a:fld>
             <a:endParaRPr lang="en-US"/>
           </a:p>
@@ -5698,7 +5703,7 @@
           <a:blip r:embed="rId3" cstate="print">
             <a:extLst>
               <a:ext uri="{28A0092B-C50C-407E-A947-70E740481C1C}">
-                <a14:useLocalDpi xmlns:a14="http://schemas.microsoft.com/office/drawing/2010/main" xmlns="" val="0"/>
+                <a14:useLocalDpi xmlns:a14="http://schemas.microsoft.com/office/drawing/2010/main" val="0"/>
               </a:ext>
             </a:extLst>
           </a:blip>
@@ -7212,7 +7217,7 @@
           <a:blip r:embed="rId2" cstate="print">
             <a:extLst>
               <a:ext uri="{28A0092B-C50C-407E-A947-70E740481C1C}">
-                <a14:useLocalDpi xmlns:a14="http://schemas.microsoft.com/office/drawing/2010/main" xmlns="" val="0"/>
+                <a14:useLocalDpi xmlns:a14="http://schemas.microsoft.com/office/drawing/2010/main" val="0"/>
               </a:ext>
             </a:extLst>
           </a:blip>
@@ -7644,7 +7649,7 @@
           <a:blip r:embed="rId3" cstate="screen">
             <a:extLst>
               <a:ext uri="{28A0092B-C50C-407E-A947-70E740481C1C}">
-                <a14:useLocalDpi xmlns:a14="http://schemas.microsoft.com/office/drawing/2010/main" xmlns="" val="0"/>
+                <a14:useLocalDpi xmlns:a14="http://schemas.microsoft.com/office/drawing/2010/main" val="0"/>
               </a:ext>
             </a:extLst>
           </a:blip>
@@ -7668,14 +7673,14 @@
           <a:effectLst/>
           <a:extLst>
             <a:ext uri="{909E8E84-426E-40DD-AFC4-6F175D3DCCD1}">
-              <a14:hiddenFill xmlns:a14="http://schemas.microsoft.com/office/drawing/2010/main" xmlns="">
+              <a14:hiddenFill xmlns:a14="http://schemas.microsoft.com/office/drawing/2010/main">
                 <a:solidFill>
                   <a:schemeClr val="accent1"/>
                 </a:solidFill>
               </a14:hiddenFill>
             </a:ext>
             <a:ext uri="{91240B29-F687-4F45-9708-019B960494DF}">
-              <a14:hiddenLine xmlns:a14="http://schemas.microsoft.com/office/drawing/2010/main" xmlns="" w="9525">
+              <a14:hiddenLine xmlns:a14="http://schemas.microsoft.com/office/drawing/2010/main" w="9525">
                 <a:solidFill>
                   <a:schemeClr val="tx1"/>
                 </a:solidFill>
@@ -7685,7 +7690,7 @@
               </a14:hiddenLine>
             </a:ext>
             <a:ext uri="{AF507438-7753-43E0-B8FC-AC1667EBCBE1}">
-              <a14:hiddenEffects xmlns:a14="http://schemas.microsoft.com/office/drawing/2010/main" xmlns="">
+              <a14:hiddenEffects xmlns:a14="http://schemas.microsoft.com/office/drawing/2010/main">
                 <a:effectLst>
                   <a:outerShdw dist="35921" dir="2700000" algn="ctr" rotWithShape="0">
                     <a:schemeClr val="bg2"/>
@@ -7927,7 +7932,27 @@
                   </a:schemeClr>
                 </a:solidFill>
               </a:rPr>
-              <a:t> browser how to pres.ent the document (web page).</a:t>
+              <a:t> browser how to </a:t>
+            </a:r>
+            <a:r>
+              <a:rPr lang="en-US" dirty="0" smtClean="0">
+                <a:solidFill>
+                  <a:schemeClr val="bg2">
+                    <a:lumMod val="10000"/>
+                  </a:schemeClr>
+                </a:solidFill>
+              </a:rPr>
+              <a:t>present </a:t>
+            </a:r>
+            <a:r>
+              <a:rPr lang="en-US" dirty="0" smtClean="0">
+                <a:solidFill>
+                  <a:schemeClr val="bg2">
+                    <a:lumMod val="10000"/>
+                  </a:schemeClr>
+                </a:solidFill>
+              </a:rPr>
+              <a:t>the document (web page).</a:t>
             </a:r>
             <a:endParaRPr lang="bg-BG" dirty="0" smtClean="0">
               <a:solidFill>
@@ -9164,7 +9189,7 @@
             <a:blip r:embed="rId3" cstate="print">
               <a:extLst>
                 <a:ext uri="{28A0092B-C50C-407E-A947-70E740481C1C}">
-                  <a14:useLocalDpi xmlns:a14="http://schemas.microsoft.com/office/drawing/2010/main" xmlns="" val="0"/>
+                  <a14:useLocalDpi xmlns:a14="http://schemas.microsoft.com/office/drawing/2010/main" val="0"/>
                 </a:ext>
               </a:extLst>
             </a:blip>
@@ -9184,7 +9209,7 @@
             <a:noFill/>
             <a:extLst>
               <a:ext uri="{909E8E84-426E-40DD-AFC4-6F175D3DCCD1}">
-                <a14:hiddenFill xmlns:a14="http://schemas.microsoft.com/office/drawing/2010/main" xmlns="">
+                <a14:hiddenFill xmlns:a14="http://schemas.microsoft.com/office/drawing/2010/main">
                   <a:solidFill>
                     <a:srgbClr val="FFFFFF"/>
                   </a:solidFill>
@@ -9205,7 +9230,7 @@
             <a:blip r:embed="rId4" cstate="print">
               <a:extLst>
                 <a:ext uri="{28A0092B-C50C-407E-A947-70E740481C1C}">
-                  <a14:useLocalDpi xmlns:a14="http://schemas.microsoft.com/office/drawing/2010/main" xmlns="" val="0"/>
+                  <a14:useLocalDpi xmlns:a14="http://schemas.microsoft.com/office/drawing/2010/main" val="0"/>
                 </a:ext>
               </a:extLst>
             </a:blip>
@@ -9250,7 +9275,7 @@
           <a:blip r:embed="rId5" cstate="print">
             <a:extLst>
               <a:ext uri="{28A0092B-C50C-407E-A947-70E740481C1C}">
-                <a14:useLocalDpi xmlns:a14="http://schemas.microsoft.com/office/drawing/2010/main" xmlns="" val="0"/>
+                <a14:useLocalDpi xmlns:a14="http://schemas.microsoft.com/office/drawing/2010/main" val="0"/>
               </a:ext>
             </a:extLst>
           </a:blip>
@@ -9270,7 +9295,7 @@
           <a:noFill/>
           <a:extLst>
             <a:ext uri="{909E8E84-426E-40DD-AFC4-6F175D3DCCD1}">
-              <a14:hiddenFill xmlns:a14="http://schemas.microsoft.com/office/drawing/2010/main" xmlns="">
+              <a14:hiddenFill xmlns:a14="http://schemas.microsoft.com/office/drawing/2010/main">
                 <a:solidFill>
                   <a:srgbClr val="FFFFFF"/>
                 </a:solidFill>
@@ -10102,7 +10127,7 @@
           <a:blip r:embed="rId3" cstate="print">
             <a:extLst>
               <a:ext uri="{28A0092B-C50C-407E-A947-70E740481C1C}">
-                <a14:useLocalDpi xmlns:a14="http://schemas.microsoft.com/office/drawing/2010/main" xmlns="" val="0"/>
+                <a14:useLocalDpi xmlns:a14="http://schemas.microsoft.com/office/drawing/2010/main" val="0"/>
               </a:ext>
             </a:extLst>
           </a:blip>
